--- a/note/PathFinding.pptx
+++ b/note/PathFinding.pptx
@@ -4831,6 +4831,100 @@
           </a:p>
         </p:txBody>
       </p:sp>
+      <p:sp>
+        <p:nvSpPr>
+          <p:cNvPr id="2" name="文本框 1"/>
+          <p:cNvSpPr txBox="1"/>
+          <p:nvPr/>
+        </p:nvSpPr>
+        <p:spPr>
+          <a:xfrm>
+            <a:off x="5909310" y="4613910"/>
+            <a:ext cx="5337175" cy="922020"/>
+          </a:xfrm>
+          <a:prstGeom prst="rect">
+            <a:avLst/>
+          </a:prstGeom>
+          <a:noFill/>
+        </p:spPr>
+        <p:txBody>
+          <a:bodyPr wrap="square" rtlCol="0" anchor="t">
+            <a:spAutoFit/>
+          </a:bodyPr>
+          <a:p>
+            <a:pPr algn="l"/>
+            <a:r>
+              <a:rPr lang="en-US" altLang="zh-CN">
+                <a:latin typeface="Arial" panose="020B0604020202020204" pitchFamily="34" charset="0"/>
+                <a:ea typeface="微软雅黑" panose="020B0503020204020204" charset="-122"/>
+                <a:sym typeface="+mn-ea"/>
+              </a:rPr>
+              <a:t>NPCMovement</a:t>
+            </a:r>
+            <a:r>
+              <a:rPr lang="zh-CN" altLang="en-US">
+                <a:latin typeface="Arial" panose="020B0604020202020204" pitchFamily="34" charset="0"/>
+                <a:ea typeface="微软雅黑" panose="020B0503020204020204" charset="-122"/>
+                <a:sym typeface="+mn-ea"/>
+              </a:rPr>
+              <a:t>中</a:t>
+            </a:r>
+            <a:r>
+              <a:rPr lang="en-US" altLang="zh-CN">
+                <a:latin typeface="Arial" panose="020B0604020202020204" pitchFamily="34" charset="0"/>
+                <a:ea typeface="微软雅黑" panose="020B0503020204020204" charset="-122"/>
+                <a:sym typeface="+mn-ea"/>
+              </a:rPr>
+              <a:t>FixedUpdate</a:t>
+            </a:r>
+            <a:r>
+              <a:rPr lang="zh-CN" altLang="en-US">
+                <a:latin typeface="Arial" panose="020B0604020202020204" pitchFamily="34" charset="0"/>
+                <a:ea typeface="微软雅黑" panose="020B0503020204020204" charset="-122"/>
+                <a:sym typeface="+mn-ea"/>
+              </a:rPr>
+              <a:t>检查npcPath.npcMovementStepStack是否</a:t>
+            </a:r>
+            <a:r>
+              <a:rPr lang="zh-CN" altLang="en-US">
+                <a:latin typeface="Arial" panose="020B0604020202020204" pitchFamily="34" charset="0"/>
+                <a:ea typeface="微软雅黑" panose="020B0503020204020204" charset="-122"/>
+                <a:sym typeface="+mn-ea"/>
+              </a:rPr>
+              <a:t>非空，</a:t>
+            </a:r>
+            <a:endParaRPr lang="zh-CN" altLang="en-US">
+              <a:latin typeface="Arial" panose="020B0604020202020204" pitchFamily="34" charset="0"/>
+              <a:ea typeface="微软雅黑" panose="020B0503020204020204" charset="-122"/>
+              <a:sym typeface="+mn-ea"/>
+            </a:endParaRPr>
+          </a:p>
+          <a:p>
+            <a:pPr algn="l"/>
+            <a:r>
+              <a:rPr lang="zh-CN" altLang="en-US">
+                <a:latin typeface="Arial" panose="020B0604020202020204" pitchFamily="34" charset="0"/>
+                <a:ea typeface="微软雅黑" panose="020B0503020204020204" charset="-122"/>
+                <a:sym typeface="+mn-ea"/>
+              </a:rPr>
+              <a:t>非空则启用协程移动</a:t>
+            </a:r>
+            <a:r>
+              <a:rPr lang="en-US" altLang="zh-CN">
+                <a:latin typeface="Arial" panose="020B0604020202020204" pitchFamily="34" charset="0"/>
+                <a:ea typeface="微软雅黑" panose="020B0503020204020204" charset="-122"/>
+                <a:sym typeface="+mn-ea"/>
+              </a:rPr>
+              <a:t>NPC</a:t>
+            </a:r>
+            <a:endParaRPr lang="en-US" altLang="zh-CN">
+              <a:latin typeface="Arial" panose="020B0604020202020204" pitchFamily="34" charset="0"/>
+              <a:ea typeface="微软雅黑" panose="020B0503020204020204" charset="-122"/>
+              <a:sym typeface="+mn-ea"/>
+            </a:endParaRPr>
+          </a:p>
+        </p:txBody>
+      </p:sp>
     </p:spTree>
   </p:cSld>
   <p:clrMapOvr>
